--- a/feb_8_23/sf_python_intro_feb_8_23.pptx
+++ b/feb_8_23/sf_python_intro_feb_8_23.pptx
@@ -3593,7 +3593,15 @@
           <a:p>
             <a:r>
               <a:rPr lang="en-US" dirty="0"/>
-              <a:t>Thanks to Phebe Polk and Tanya Gold for making SF Python meetup happen</a:t>
+              <a:t>Thanks to Phebe Polk and </a:t>
+            </a:r>
+            <a:r>
+              <a:rPr lang="en-US"/>
+              <a:t>Tanya Bold </a:t>
+            </a:r>
+            <a:r>
+              <a:rPr lang="en-US" dirty="0"/>
+              <a:t>for making SF Python meetup happen</a:t>
             </a:r>
           </a:p>
           <a:p>
